--- a/Week 1/slides/Week 01.pptx
+++ b/Week 1/slides/Week 01.pptx
@@ -230,7 +230,7 @@
           <a:p>
             <a:fld id="{21D31660-DD44-FD4E-AC5D-7A43B1842726}" type="datetimeFigureOut">
               <a:rPr lang="en-US" smtClean="0"/>
-              <a:t>9/26/20</a:t>
+              <a:t>10/5/20</a:t>
             </a:fld>
             <a:endParaRPr lang="en-US"/>
           </a:p>
@@ -396,7 +396,7 @@
           <a:p>
             <a:fld id="{7CEF99CB-945E-ED4C-A552-AE2CA97AE922}" type="datetimeFigureOut">
               <a:rPr lang="en-US" smtClean="0"/>
-              <a:t>9/26/20</a:t>
+              <a:t>10/5/20</a:t>
             </a:fld>
             <a:endParaRPr lang="en-US"/>
           </a:p>
@@ -8903,7 +8903,15 @@
             </a:r>
             <a:r>
               <a:rPr lang="en-US" b="1" dirty="0" err="1"/>
-              <a:t>postgres</a:t>
+              <a:t>dso</a:t>
+            </a:r>
+            <a:r>
+              <a:rPr lang="en-US" b="1" dirty="0"/>
+              <a:t>-student-</a:t>
+            </a:r>
+            <a:r>
+              <a:rPr lang="en-US" b="1" dirty="0" err="1"/>
+              <a:t>ro</a:t>
             </a:r>
             <a:endParaRPr lang="en-US" b="1" dirty="0"/>
           </a:p>

--- a/Week 1/slides/Week 01.pptx
+++ b/Week 1/slides/Week 01.pptx
@@ -8230,19 +8230,12 @@
             </a:r>
             <a:r>
               <a:rPr lang="en-US" dirty="0"/>
-              <a:t>; this is a database that is structured to recognize relations among data items as a set of formally-described tables. </a:t>
-            </a:r>
-            <a:r>
-              <a:rPr lang="en-US" b="1" dirty="0">
-                <a:solidFill>
-                  <a:srgbClr val="FF0000"/>
-                </a:solidFill>
-              </a:rPr>
-              <a:t>(DSO 522 focuses on relational databases)</a:t>
-            </a:r>
-            <a:endParaRPr lang="en-US" dirty="0"/>
-          </a:p>
-          <a:p>
+              <a:t>; this is a database that is structured to recognize relations among data items as a set of formally-described </a:t>
+            </a:r>
+            <a:r>
+              <a:rPr lang="en-US"/>
+              <a:t>tables.</a:t>
+            </a:r>
             <a:endParaRPr lang="en-US" dirty="0"/>
           </a:p>
         </p:txBody>
